--- a/TA final/TA PRESENTASI.pptx
+++ b/TA final/TA PRESENTASI.pptx
@@ -11,6 +11,12 @@
     <p:sldId id="264" r:id="rId5"/>
     <p:sldId id="265" r:id="rId6"/>
     <p:sldId id="266" r:id="rId7"/>
+    <p:sldId id="267" r:id="rId8"/>
+    <p:sldId id="270" r:id="rId9"/>
+    <p:sldId id="268" r:id="rId10"/>
+    <p:sldId id="269" r:id="rId11"/>
+    <p:sldId id="271" r:id="rId12"/>
+    <p:sldId id="272" r:id="rId13"/>
   </p:sldIdLst>
   <p:sldSz cx="9144000" cy="6858000" type="screen4x3"/>
   <p:notesSz cx="6858000" cy="9144000"/>
@@ -109,6 +115,11 @@
       </a:defRPr>
     </a:lvl9pPr>
   </p:defaultTextStyle>
+  <p:extLst>
+    <p:ext uri="{EFAFB233-063F-42B5-8137-9DF3F51BA10A}">
+      <p15:sldGuideLst xmlns:p15="http://schemas.microsoft.com/office/powerpoint/2012/main"/>
+    </p:ext>
+  </p:extLst>
 </p:presentation>
 </file>
 
@@ -339,7 +350,7 @@
             <a:fld id="{08B9EBBA-996F-894A-B54A-D6246ED52CEA}" type="datetimeFigureOut">
               <a:rPr lang="en-US" smtClean="0"/>
               <a:pPr/>
-              <a:t>8/5/2016</a:t>
+              <a:t>8/8/2016</a:t>
             </a:fld>
             <a:endParaRPr lang="en-US" dirty="0"/>
           </a:p>
@@ -549,7 +560,7 @@
             <a:fld id="{C6C52C72-DE31-F449-A4ED-4C594FD91407}" type="datetimeFigureOut">
               <a:rPr lang="en-US" smtClean="0"/>
               <a:pPr/>
-              <a:t>8/5/2016</a:t>
+              <a:t>8/8/2016</a:t>
             </a:fld>
             <a:endParaRPr lang="en-US" dirty="0"/>
           </a:p>
@@ -807,7 +818,7 @@
             <a:fld id="{ED62726E-379B-B349-9EED-81ED093FA806}" type="datetimeFigureOut">
               <a:rPr lang="en-US" smtClean="0"/>
               <a:pPr/>
-              <a:t>8/5/2016</a:t>
+              <a:t>8/8/2016</a:t>
             </a:fld>
             <a:endParaRPr lang="en-US" dirty="0"/>
           </a:p>
@@ -979,7 +990,7 @@
             <a:fld id="{9B3A1323-8D79-1946-B0D7-40001CF92E9D}" type="datetimeFigureOut">
               <a:rPr lang="en-US" smtClean="0"/>
               <a:pPr/>
-              <a:t>8/5/2016</a:t>
+              <a:t>8/8/2016</a:t>
             </a:fld>
             <a:endParaRPr lang="en-US" dirty="0"/>
           </a:p>
@@ -1324,7 +1335,7 @@
             <a:fld id="{8DFA1846-DA80-1C48-A609-854EA85C59AD}" type="datetimeFigureOut">
               <a:rPr lang="en-US" smtClean="0"/>
               <a:pPr/>
-              <a:t>8/5/2016</a:t>
+              <a:t>8/8/2016</a:t>
             </a:fld>
             <a:endParaRPr lang="en-US" dirty="0"/>
           </a:p>
@@ -1601,7 +1612,7 @@
             <a:fld id="{57302355-E14B-8545-A8F8-0FE83CC9D524}" type="datetimeFigureOut">
               <a:rPr lang="en-US" smtClean="0"/>
               <a:pPr/>
-              <a:t>8/5/2016</a:t>
+              <a:t>8/8/2016</a:t>
             </a:fld>
             <a:endParaRPr lang="en-US" dirty="0"/>
           </a:p>
@@ -1982,7 +1993,7 @@
             <a:fld id="{02640F58-564D-2B4F-AE67-E407BA4FCF45}" type="datetimeFigureOut">
               <a:rPr lang="en-US" smtClean="0"/>
               <a:pPr/>
-              <a:t>8/5/2016</a:t>
+              <a:t>8/8/2016</a:t>
             </a:fld>
             <a:endParaRPr lang="en-US" dirty="0"/>
           </a:p>
@@ -2102,7 +2113,7 @@
             <a:fld id="{F13A34C8-038E-2045-AF43-DF7DBB8E0E9E}" type="datetimeFigureOut">
               <a:rPr lang="en-US" smtClean="0"/>
               <a:pPr/>
-              <a:t>8/5/2016</a:t>
+              <a:t>8/8/2016</a:t>
             </a:fld>
             <a:endParaRPr lang="en-US" dirty="0"/>
           </a:p>
@@ -2275,7 +2286,7 @@
             <a:fld id="{8818C68F-D26B-8F47-958C-23B49CF8A634}" type="datetimeFigureOut">
               <a:rPr lang="en-US" smtClean="0"/>
               <a:pPr/>
-              <a:t>8/5/2016</a:t>
+              <a:t>8/8/2016</a:t>
             </a:fld>
             <a:endParaRPr lang="en-US" dirty="0"/>
           </a:p>
@@ -2631,7 +2642,7 @@
             <a:fld id="{D0DF5E60-9974-AC48-9591-99C2BB44B7CF}" type="datetimeFigureOut">
               <a:rPr lang="en-US" smtClean="0"/>
               <a:pPr/>
-              <a:t>8/5/2016</a:t>
+              <a:t>8/8/2016</a:t>
             </a:fld>
             <a:endParaRPr lang="en-US" dirty="0"/>
           </a:p>
@@ -3010,7 +3021,7 @@
             <a:fld id="{18C79C5D-2A6F-F04D-97DA-BEF2467B64E4}" type="datetimeFigureOut">
               <a:rPr lang="en-US" smtClean="0"/>
               <a:pPr/>
-              <a:t>8/5/2016</a:t>
+              <a:t>8/8/2016</a:t>
             </a:fld>
             <a:endParaRPr lang="en-US" dirty="0"/>
           </a:p>
@@ -3299,7 +3310,7 @@
             <a:fld id="{09B482E8-6E0E-1B4F-B1FD-C69DB9E858D9}" type="datetimeFigureOut">
               <a:rPr lang="en-US" smtClean="0"/>
               <a:pPr/>
-              <a:t>8/5/2016</a:t>
+              <a:t>8/8/2016</a:t>
             </a:fld>
             <a:endParaRPr lang="en-US" dirty="0"/>
           </a:p>
@@ -4076,6 +4087,320 @@
 </p:sld>
 </file>
 
+<file path=ppt/slides/slide10.xml><?xml version="1.0" encoding="utf-8"?>
+<p:sld xmlns:a="http://schemas.openxmlformats.org/drawingml/2006/main" xmlns:r="http://schemas.openxmlformats.org/officeDocument/2006/relationships" xmlns:p="http://schemas.openxmlformats.org/presentationml/2006/main">
+  <p:cSld>
+    <p:spTree>
+      <p:nvGrpSpPr>
+        <p:cNvPr id="1" name=""/>
+        <p:cNvGrpSpPr/>
+        <p:nvPr/>
+      </p:nvGrpSpPr>
+      <p:grpSpPr>
+        <a:xfrm>
+          <a:off x="0" y="0"/>
+          <a:ext cx="0" cy="0"/>
+          <a:chOff x="0" y="0"/>
+          <a:chExt cx="0" cy="0"/>
+        </a:xfrm>
+      </p:grpSpPr>
+      <p:sp>
+        <p:nvSpPr>
+          <p:cNvPr id="2" name="Title 1"/>
+          <p:cNvSpPr>
+            <a:spLocks noGrp="1"/>
+          </p:cNvSpPr>
+          <p:nvPr>
+            <p:ph type="title"/>
+          </p:nvPr>
+        </p:nvSpPr>
+        <p:spPr/>
+        <p:txBody>
+          <a:bodyPr/>
+          <a:lstStyle/>
+          <a:p>
+            <a:r>
+              <a:rPr lang="id-ID" dirty="0" smtClean="0"/>
+              <a:t>Saran</a:t>
+            </a:r>
+            <a:endParaRPr lang="en-GB" dirty="0"/>
+          </a:p>
+        </p:txBody>
+      </p:sp>
+      <p:sp>
+        <p:nvSpPr>
+          <p:cNvPr id="3" name="Content Placeholder 2"/>
+          <p:cNvSpPr>
+            <a:spLocks noGrp="1"/>
+          </p:cNvSpPr>
+          <p:nvPr>
+            <p:ph idx="1"/>
+          </p:nvPr>
+        </p:nvSpPr>
+        <p:spPr/>
+        <p:txBody>
+          <a:bodyPr>
+            <a:normAutofit/>
+          </a:bodyPr>
+          <a:lstStyle/>
+          <a:p>
+            <a:pPr marL="514350" indent="-514350">
+              <a:buFont typeface="+mj-lt"/>
+              <a:buAutoNum type="arabicPeriod"/>
+            </a:pPr>
+            <a:r>
+              <a:rPr lang="sv-SE" sz="2800" dirty="0"/>
+              <a:t>Berdasarkan hasil kuesioner, hanya </a:t>
+            </a:r>
+            <a:r>
+              <a:rPr lang="sv-SE" sz="2800" dirty="0">
+                <a:solidFill>
+                  <a:srgbClr val="FF0000"/>
+                </a:solidFill>
+              </a:rPr>
+              <a:t>33,3%</a:t>
+            </a:r>
+            <a:r>
+              <a:rPr lang="sv-SE" sz="2800" dirty="0"/>
+              <a:t> yang Setuju bahwa fitur yang tersedia sudah cukup jadi perlu ditambahkan lagi beberapa fitur seperti fitur notifikasi agar memudahkan calon siswa dalam mendapat informasi tentang feedback </a:t>
+            </a:r>
+            <a:r>
+              <a:rPr lang="sv-SE" sz="2800" dirty="0" smtClean="0"/>
+              <a:t>pendaftarannya.</a:t>
+            </a:r>
+            <a:endParaRPr lang="id-ID" sz="2800" dirty="0" smtClean="0"/>
+          </a:p>
+          <a:p>
+            <a:pPr marL="0" indent="0">
+              <a:buNone/>
+            </a:pPr>
+            <a:r>
+              <a:rPr lang="sv-SE" sz="2800" dirty="0" smtClean="0"/>
+              <a:t> </a:t>
+            </a:r>
+            <a:endParaRPr lang="sv-SE" sz="2800" dirty="0"/>
+          </a:p>
+        </p:txBody>
+      </p:sp>
+    </p:spTree>
+    <p:extLst>
+      <p:ext uri="{BB962C8B-B14F-4D97-AF65-F5344CB8AC3E}">
+        <p14:creationId xmlns:p14="http://schemas.microsoft.com/office/powerpoint/2010/main" val="1831152523"/>
+      </p:ext>
+    </p:extLst>
+  </p:cSld>
+  <p:clrMapOvr>
+    <a:masterClrMapping/>
+  </p:clrMapOvr>
+  <p:timing>
+    <p:tnLst>
+      <p:par>
+        <p:cTn id="1" dur="indefinite" restart="never" nodeType="tmRoot"/>
+      </p:par>
+    </p:tnLst>
+  </p:timing>
+</p:sld>
+</file>
+
+<file path=ppt/slides/slide11.xml><?xml version="1.0" encoding="utf-8"?>
+<p:sld xmlns:a="http://schemas.openxmlformats.org/drawingml/2006/main" xmlns:r="http://schemas.openxmlformats.org/officeDocument/2006/relationships" xmlns:p="http://schemas.openxmlformats.org/presentationml/2006/main">
+  <p:cSld>
+    <p:spTree>
+      <p:nvGrpSpPr>
+        <p:cNvPr id="1" name=""/>
+        <p:cNvGrpSpPr/>
+        <p:nvPr/>
+      </p:nvGrpSpPr>
+      <p:grpSpPr>
+        <a:xfrm>
+          <a:off x="0" y="0"/>
+          <a:ext cx="0" cy="0"/>
+          <a:chOff x="0" y="0"/>
+          <a:chExt cx="0" cy="0"/>
+        </a:xfrm>
+      </p:grpSpPr>
+      <p:sp>
+        <p:nvSpPr>
+          <p:cNvPr id="2" name="Title 1"/>
+          <p:cNvSpPr>
+            <a:spLocks noGrp="1"/>
+          </p:cNvSpPr>
+          <p:nvPr>
+            <p:ph type="title"/>
+          </p:nvPr>
+        </p:nvSpPr>
+        <p:spPr/>
+        <p:txBody>
+          <a:bodyPr/>
+          <a:lstStyle/>
+          <a:p>
+            <a:r>
+              <a:rPr lang="id-ID" dirty="0" smtClean="0"/>
+              <a:t>Saran</a:t>
+            </a:r>
+            <a:endParaRPr lang="en-GB" dirty="0"/>
+          </a:p>
+        </p:txBody>
+      </p:sp>
+      <p:sp>
+        <p:nvSpPr>
+          <p:cNvPr id="3" name="Content Placeholder 2"/>
+          <p:cNvSpPr>
+            <a:spLocks noGrp="1"/>
+          </p:cNvSpPr>
+          <p:nvPr>
+            <p:ph idx="1"/>
+          </p:nvPr>
+        </p:nvSpPr>
+        <p:spPr/>
+        <p:txBody>
+          <a:bodyPr>
+            <a:normAutofit/>
+          </a:bodyPr>
+          <a:lstStyle/>
+          <a:p>
+            <a:pPr marL="514350" indent="-514350">
+              <a:buFont typeface="+mj-lt"/>
+              <a:buAutoNum type="arabicPeriod" startAt="2"/>
+            </a:pPr>
+            <a:r>
+              <a:rPr lang="sv-SE" sz="2800" dirty="0"/>
+              <a:t>Perlu dilakukan beberapa perbaikan terutama pada bagian tampilan (dimana terdapat </a:t>
+            </a:r>
+            <a:r>
+              <a:rPr lang="sv-SE" sz="2800" dirty="0">
+                <a:solidFill>
+                  <a:srgbClr val="FF0000"/>
+                </a:solidFill>
+              </a:rPr>
+              <a:t>16,7%</a:t>
+            </a:r>
+            <a:r>
+              <a:rPr lang="sv-SE" sz="2800" dirty="0"/>
+              <a:t> menyatakan Kurang Setuju) dan typografi (dimana terdapat </a:t>
+            </a:r>
+            <a:r>
+              <a:rPr lang="sv-SE" sz="2800" dirty="0">
+                <a:solidFill>
+                  <a:srgbClr val="FF0000"/>
+                </a:solidFill>
+              </a:rPr>
+              <a:t>16,7%</a:t>
+            </a:r>
+            <a:r>
+              <a:rPr lang="sv-SE" sz="2800" dirty="0"/>
+              <a:t> menyatakan Kurang Setuju) supaya lebih menarik minat pengguna dan mempermudah pembacaan tulisan sehingga lebih nyaman digunakan.</a:t>
+            </a:r>
+            <a:r>
+              <a:rPr lang="sv-SE" sz="2800" dirty="0" smtClean="0"/>
+              <a:t> </a:t>
+            </a:r>
+            <a:endParaRPr lang="sv-SE" sz="2800" dirty="0"/>
+          </a:p>
+        </p:txBody>
+      </p:sp>
+    </p:spTree>
+    <p:extLst>
+      <p:ext uri="{BB962C8B-B14F-4D97-AF65-F5344CB8AC3E}">
+        <p14:creationId xmlns:p14="http://schemas.microsoft.com/office/powerpoint/2010/main" val="1559393151"/>
+      </p:ext>
+    </p:extLst>
+  </p:cSld>
+  <p:clrMapOvr>
+    <a:masterClrMapping/>
+  </p:clrMapOvr>
+  <p:timing>
+    <p:tnLst>
+      <p:par>
+        <p:cTn id="1" dur="indefinite" restart="never" nodeType="tmRoot"/>
+      </p:par>
+    </p:tnLst>
+  </p:timing>
+</p:sld>
+</file>
+
+<file path=ppt/slides/slide12.xml><?xml version="1.0" encoding="utf-8"?>
+<p:sld xmlns:a="http://schemas.openxmlformats.org/drawingml/2006/main" xmlns:r="http://schemas.openxmlformats.org/officeDocument/2006/relationships" xmlns:p="http://schemas.openxmlformats.org/presentationml/2006/main">
+  <p:cSld>
+    <p:spTree>
+      <p:nvGrpSpPr>
+        <p:cNvPr id="1" name=""/>
+        <p:cNvGrpSpPr/>
+        <p:nvPr/>
+      </p:nvGrpSpPr>
+      <p:grpSpPr>
+        <a:xfrm>
+          <a:off x="0" y="0"/>
+          <a:ext cx="0" cy="0"/>
+          <a:chOff x="0" y="0"/>
+          <a:chExt cx="0" cy="0"/>
+        </a:xfrm>
+      </p:grpSpPr>
+      <p:sp>
+        <p:nvSpPr>
+          <p:cNvPr id="3" name="TextBox 2"/>
+          <p:cNvSpPr txBox="1"/>
+          <p:nvPr/>
+        </p:nvSpPr>
+        <p:spPr>
+          <a:xfrm>
+            <a:off x="685362" y="2767281"/>
+            <a:ext cx="7773283" cy="1323439"/>
+          </a:xfrm>
+          <a:prstGeom prst="rect">
+            <a:avLst/>
+          </a:prstGeom>
+          <a:noFill/>
+        </p:spPr>
+        <p:txBody>
+          <a:bodyPr wrap="none" rtlCol="0">
+            <a:spAutoFit/>
+          </a:bodyPr>
+          <a:lstStyle/>
+          <a:p>
+            <a:pPr algn="ctr"/>
+            <a:r>
+              <a:rPr lang="id-ID" sz="8000" b="1" dirty="0" smtClean="0">
+                <a:solidFill>
+                  <a:schemeClr val="accent1">
+                    <a:lumMod val="75000"/>
+                  </a:schemeClr>
+                </a:solidFill>
+                <a:latin typeface="Trajan Pro" panose="02020502050506020301" pitchFamily="18" charset="0"/>
+              </a:rPr>
+              <a:t>Terima Kasih</a:t>
+            </a:r>
+            <a:endParaRPr lang="en-GB" sz="8000" b="1" dirty="0">
+              <a:solidFill>
+                <a:schemeClr val="accent1">
+                  <a:lumMod val="75000"/>
+                </a:schemeClr>
+              </a:solidFill>
+              <a:latin typeface="Trajan Pro" panose="02020502050506020301" pitchFamily="18" charset="0"/>
+            </a:endParaRPr>
+          </a:p>
+        </p:txBody>
+      </p:sp>
+    </p:spTree>
+    <p:extLst>
+      <p:ext uri="{BB962C8B-B14F-4D97-AF65-F5344CB8AC3E}">
+        <p14:creationId xmlns:p14="http://schemas.microsoft.com/office/powerpoint/2010/main" val="2101300214"/>
+      </p:ext>
+    </p:extLst>
+  </p:cSld>
+  <p:clrMapOvr>
+    <a:masterClrMapping/>
+  </p:clrMapOvr>
+  <p:timing>
+    <p:tnLst>
+      <p:par>
+        <p:cTn id="1" dur="indefinite" restart="never" nodeType="tmRoot"/>
+      </p:par>
+    </p:tnLst>
+  </p:timing>
+</p:sld>
+</file>
+
 <file path=ppt/slides/slide2.xml><?xml version="1.0" encoding="utf-8"?>
 <p:sld xmlns:a="http://schemas.openxmlformats.org/drawingml/2006/main" xmlns:r="http://schemas.openxmlformats.org/officeDocument/2006/relationships" xmlns:p="http://schemas.openxmlformats.org/presentationml/2006/main">
   <p:cSld>
@@ -4626,10 +4951,322 @@
 </p:sld>
 </file>
 
+<file path=ppt/slides/slide7.xml><?xml version="1.0" encoding="utf-8"?>
+<p:sld xmlns:a="http://schemas.openxmlformats.org/drawingml/2006/main" xmlns:r="http://schemas.openxmlformats.org/officeDocument/2006/relationships" xmlns:p="http://schemas.openxmlformats.org/presentationml/2006/main">
+  <p:cSld>
+    <p:spTree>
+      <p:nvGrpSpPr>
+        <p:cNvPr id="1" name=""/>
+        <p:cNvGrpSpPr/>
+        <p:nvPr/>
+      </p:nvGrpSpPr>
+      <p:grpSpPr>
+        <a:xfrm>
+          <a:off x="0" y="0"/>
+          <a:ext cx="0" cy="0"/>
+          <a:chOff x="0" y="0"/>
+          <a:chExt cx="0" cy="0"/>
+        </a:xfrm>
+      </p:grpSpPr>
+      <p:sp>
+        <p:nvSpPr>
+          <p:cNvPr id="3" name="TextBox 2"/>
+          <p:cNvSpPr txBox="1"/>
+          <p:nvPr/>
+        </p:nvSpPr>
+        <p:spPr>
+          <a:xfrm>
+            <a:off x="2829215" y="2767281"/>
+            <a:ext cx="3485570" cy="1323439"/>
+          </a:xfrm>
+          <a:prstGeom prst="rect">
+            <a:avLst/>
+          </a:prstGeom>
+          <a:noFill/>
+        </p:spPr>
+        <p:txBody>
+          <a:bodyPr wrap="none" rtlCol="0">
+            <a:spAutoFit/>
+          </a:bodyPr>
+          <a:lstStyle/>
+          <a:p>
+            <a:pPr algn="ctr"/>
+            <a:r>
+              <a:rPr lang="id-ID" sz="8000" b="1" dirty="0" smtClean="0">
+                <a:solidFill>
+                  <a:schemeClr val="accent1">
+                    <a:lumMod val="75000"/>
+                  </a:schemeClr>
+                </a:solidFill>
+                <a:latin typeface="Trajan Pro" panose="02020502050506020301" pitchFamily="18" charset="0"/>
+              </a:rPr>
+              <a:t>Demo</a:t>
+            </a:r>
+            <a:endParaRPr lang="en-GB" sz="8000" b="1" dirty="0">
+              <a:solidFill>
+                <a:schemeClr val="accent1">
+                  <a:lumMod val="75000"/>
+                </a:schemeClr>
+              </a:solidFill>
+              <a:latin typeface="Trajan Pro" panose="02020502050506020301" pitchFamily="18" charset="0"/>
+            </a:endParaRPr>
+          </a:p>
+        </p:txBody>
+      </p:sp>
+    </p:spTree>
+    <p:extLst>
+      <p:ext uri="{BB962C8B-B14F-4D97-AF65-F5344CB8AC3E}">
+        <p14:creationId xmlns:p14="http://schemas.microsoft.com/office/powerpoint/2010/main" val="551746641"/>
+      </p:ext>
+    </p:extLst>
+  </p:cSld>
+  <p:clrMapOvr>
+    <a:masterClrMapping/>
+  </p:clrMapOvr>
+  <p:timing>
+    <p:tnLst>
+      <p:par>
+        <p:cTn id="1" dur="indefinite" restart="never" nodeType="tmRoot"/>
+      </p:par>
+    </p:tnLst>
+  </p:timing>
+</p:sld>
+</file>
+
+<file path=ppt/slides/slide8.xml><?xml version="1.0" encoding="utf-8"?>
+<p:sld xmlns:a="http://schemas.openxmlformats.org/drawingml/2006/main" xmlns:r="http://schemas.openxmlformats.org/officeDocument/2006/relationships" xmlns:p="http://schemas.openxmlformats.org/presentationml/2006/main">
+  <p:cSld>
+    <p:spTree>
+      <p:nvGrpSpPr>
+        <p:cNvPr id="1" name=""/>
+        <p:cNvGrpSpPr/>
+        <p:nvPr/>
+      </p:nvGrpSpPr>
+      <p:grpSpPr>
+        <a:xfrm>
+          <a:off x="0" y="0"/>
+          <a:ext cx="0" cy="0"/>
+          <a:chOff x="0" y="0"/>
+          <a:chExt cx="0" cy="0"/>
+        </a:xfrm>
+      </p:grpSpPr>
+      <p:sp>
+        <p:nvSpPr>
+          <p:cNvPr id="2" name="Title 1"/>
+          <p:cNvSpPr>
+            <a:spLocks noGrp="1"/>
+          </p:cNvSpPr>
+          <p:nvPr>
+            <p:ph type="title"/>
+          </p:nvPr>
+        </p:nvSpPr>
+        <p:spPr/>
+        <p:txBody>
+          <a:bodyPr/>
+          <a:lstStyle/>
+          <a:p>
+            <a:r>
+              <a:rPr lang="id-ID" dirty="0" smtClean="0"/>
+              <a:t>Kesimpulan</a:t>
+            </a:r>
+            <a:endParaRPr lang="en-GB" dirty="0"/>
+          </a:p>
+        </p:txBody>
+      </p:sp>
+      <p:sp>
+        <p:nvSpPr>
+          <p:cNvPr id="3" name="Content Placeholder 2"/>
+          <p:cNvSpPr>
+            <a:spLocks noGrp="1"/>
+          </p:cNvSpPr>
+          <p:nvPr>
+            <p:ph idx="1"/>
+          </p:nvPr>
+        </p:nvSpPr>
+        <p:spPr/>
+        <p:txBody>
+          <a:bodyPr>
+            <a:normAutofit/>
+          </a:bodyPr>
+          <a:lstStyle/>
+          <a:p>
+            <a:pPr marL="514350" indent="-514350">
+              <a:buFont typeface="+mj-lt"/>
+              <a:buAutoNum type="arabicPeriod"/>
+            </a:pPr>
+            <a:r>
+              <a:rPr lang="sv-SE" sz="2800" dirty="0"/>
+              <a:t>Aplikasi TEMANIS BARU cukup membantu dalam proses pendataan maupun pendaftaran siswa baru baik dari sisi calon siswa maupun admin. Hal ini ditunjukkan dari hasil jajak pendapat/kuesioner yang dilakukan dimana pernyataan aplikasi cukup membantu dalam proses pendataan maupun pendaftaran mendapat suara Setuju sebanyak </a:t>
+            </a:r>
+            <a:r>
+              <a:rPr lang="sv-SE" sz="2800" dirty="0">
+                <a:solidFill>
+                  <a:srgbClr val="FF0000"/>
+                </a:solidFill>
+              </a:rPr>
+              <a:t>58,3%</a:t>
+            </a:r>
+            <a:r>
+              <a:rPr lang="sv-SE" sz="2800" dirty="0"/>
+              <a:t> dan Sangat Setuju sebanyak </a:t>
+            </a:r>
+            <a:r>
+              <a:rPr lang="sv-SE" sz="2800" dirty="0">
+                <a:solidFill>
+                  <a:srgbClr val="FF0000"/>
+                </a:solidFill>
+              </a:rPr>
+              <a:t>8,3%</a:t>
+            </a:r>
+            <a:r>
+              <a:rPr lang="sv-SE" sz="2800" dirty="0"/>
+              <a:t> dari total hasil survei</a:t>
+            </a:r>
+            <a:r>
+              <a:rPr lang="sv-SE" sz="2800" dirty="0" smtClean="0"/>
+              <a:t>.</a:t>
+            </a:r>
+            <a:endParaRPr lang="id-ID" sz="2800" dirty="0" smtClean="0"/>
+          </a:p>
+        </p:txBody>
+      </p:sp>
+    </p:spTree>
+    <p:extLst>
+      <p:ext uri="{BB962C8B-B14F-4D97-AF65-F5344CB8AC3E}">
+        <p14:creationId xmlns:p14="http://schemas.microsoft.com/office/powerpoint/2010/main" val="3863188712"/>
+      </p:ext>
+    </p:extLst>
+  </p:cSld>
+  <p:clrMapOvr>
+    <a:masterClrMapping/>
+  </p:clrMapOvr>
+  <p:timing>
+    <p:tnLst>
+      <p:par>
+        <p:cTn id="1" dur="indefinite" restart="never" nodeType="tmRoot"/>
+      </p:par>
+    </p:tnLst>
+  </p:timing>
+</p:sld>
+</file>
+
+<file path=ppt/slides/slide9.xml><?xml version="1.0" encoding="utf-8"?>
+<p:sld xmlns:a="http://schemas.openxmlformats.org/drawingml/2006/main" xmlns:r="http://schemas.openxmlformats.org/officeDocument/2006/relationships" xmlns:p="http://schemas.openxmlformats.org/presentationml/2006/main">
+  <p:cSld>
+    <p:spTree>
+      <p:nvGrpSpPr>
+        <p:cNvPr id="1" name=""/>
+        <p:cNvGrpSpPr/>
+        <p:nvPr/>
+      </p:nvGrpSpPr>
+      <p:grpSpPr>
+        <a:xfrm>
+          <a:off x="0" y="0"/>
+          <a:ext cx="0" cy="0"/>
+          <a:chOff x="0" y="0"/>
+          <a:chExt cx="0" cy="0"/>
+        </a:xfrm>
+      </p:grpSpPr>
+      <p:sp>
+        <p:nvSpPr>
+          <p:cNvPr id="2" name="Title 1"/>
+          <p:cNvSpPr>
+            <a:spLocks noGrp="1"/>
+          </p:cNvSpPr>
+          <p:nvPr>
+            <p:ph type="title"/>
+          </p:nvPr>
+        </p:nvSpPr>
+        <p:spPr/>
+        <p:txBody>
+          <a:bodyPr/>
+          <a:lstStyle/>
+          <a:p>
+            <a:r>
+              <a:rPr lang="id-ID" dirty="0" smtClean="0"/>
+              <a:t>Kesimpulan</a:t>
+            </a:r>
+            <a:endParaRPr lang="en-GB" dirty="0"/>
+          </a:p>
+        </p:txBody>
+      </p:sp>
+      <p:sp>
+        <p:nvSpPr>
+          <p:cNvPr id="3" name="Content Placeholder 2"/>
+          <p:cNvSpPr>
+            <a:spLocks noGrp="1"/>
+          </p:cNvSpPr>
+          <p:nvPr>
+            <p:ph idx="1"/>
+          </p:nvPr>
+        </p:nvSpPr>
+        <p:spPr/>
+        <p:txBody>
+          <a:bodyPr>
+            <a:normAutofit/>
+          </a:bodyPr>
+          <a:lstStyle/>
+          <a:p>
+            <a:pPr marL="514350" indent="-514350">
+              <a:buFont typeface="+mj-lt"/>
+              <a:buAutoNum type="arabicPeriod" startAt="2"/>
+            </a:pPr>
+            <a:r>
+              <a:rPr lang="sv-SE" sz="2800" dirty="0"/>
+              <a:t>Aplikasi TEMANIS BARU mudah digunakan oleh kalangan calon siswa maupun staf sekolah karena fiturnya yang sederhana, dapat dilihat dari hasil kuesioner menunjukkan sebanyak </a:t>
+            </a:r>
+            <a:r>
+              <a:rPr lang="sv-SE" sz="2800" dirty="0">
+                <a:solidFill>
+                  <a:srgbClr val="FF0000"/>
+                </a:solidFill>
+              </a:rPr>
+              <a:t>33,3%</a:t>
+            </a:r>
+            <a:r>
+              <a:rPr lang="sv-SE" sz="2800" dirty="0"/>
+              <a:t> Setuju dan </a:t>
+            </a:r>
+            <a:r>
+              <a:rPr lang="sv-SE" sz="2800" dirty="0">
+                <a:solidFill>
+                  <a:srgbClr val="FF0000"/>
+                </a:solidFill>
+              </a:rPr>
+              <a:t>16,7%</a:t>
+            </a:r>
+            <a:r>
+              <a:rPr lang="sv-SE" sz="2800" dirty="0"/>
+              <a:t> Sangat Setuju dalam hal kemudahan menggunakan aplikasi ini.</a:t>
+            </a:r>
+            <a:endParaRPr lang="id-ID" sz="2800" dirty="0" smtClean="0"/>
+          </a:p>
+        </p:txBody>
+      </p:sp>
+    </p:spTree>
+    <p:extLst>
+      <p:ext uri="{BB962C8B-B14F-4D97-AF65-F5344CB8AC3E}">
+        <p14:creationId xmlns:p14="http://schemas.microsoft.com/office/powerpoint/2010/main" val="929851369"/>
+      </p:ext>
+    </p:extLst>
+  </p:cSld>
+  <p:clrMapOvr>
+    <a:masterClrMapping/>
+  </p:clrMapOvr>
+  <p:timing>
+    <p:tnLst>
+      <p:par>
+        <p:cTn id="1" dur="indefinite" restart="never" nodeType="tmRoot"/>
+      </p:par>
+    </p:tnLst>
+  </p:timing>
+</p:sld>
+</file>
+
 <file path=ppt/theme/theme1.xml><?xml version="1.0" encoding="utf-8"?>
 <a:theme xmlns:a="http://schemas.openxmlformats.org/drawingml/2006/main" name="Retrospect">
   <a:themeElements>
-    <a:clrScheme name="Retrospect">
+    <a:clrScheme name="Custom 2">
       <a:dk1>
         <a:sysClr val="windowText" lastClr="000000"/>
       </a:dk1>
@@ -4643,10 +5280,10 @@
         <a:srgbClr val="E9E5DC"/>
       </a:lt2>
       <a:accent1>
-        <a:srgbClr val="D34817"/>
+        <a:srgbClr val="FF3300"/>
       </a:accent1>
       <a:accent2>
-        <a:srgbClr val="9B2D1F"/>
+        <a:srgbClr val="0070C0"/>
       </a:accent2>
       <a:accent3>
         <a:srgbClr val="A28E6A"/>

--- a/TA final/TA PRESENTASI.pptx
+++ b/TA final/TA PRESENTASI.pptx
@@ -350,7 +350,7 @@
             <a:fld id="{08B9EBBA-996F-894A-B54A-D6246ED52CEA}" type="datetimeFigureOut">
               <a:rPr lang="en-US" smtClean="0"/>
               <a:pPr/>
-              <a:t>8/8/2016</a:t>
+              <a:t>8/11/2016</a:t>
             </a:fld>
             <a:endParaRPr lang="en-US" dirty="0"/>
           </a:p>
@@ -560,7 +560,7 @@
             <a:fld id="{C6C52C72-DE31-F449-A4ED-4C594FD91407}" type="datetimeFigureOut">
               <a:rPr lang="en-US" smtClean="0"/>
               <a:pPr/>
-              <a:t>8/8/2016</a:t>
+              <a:t>8/11/2016</a:t>
             </a:fld>
             <a:endParaRPr lang="en-US" dirty="0"/>
           </a:p>
@@ -818,7 +818,7 @@
             <a:fld id="{ED62726E-379B-B349-9EED-81ED093FA806}" type="datetimeFigureOut">
               <a:rPr lang="en-US" smtClean="0"/>
               <a:pPr/>
-              <a:t>8/8/2016</a:t>
+              <a:t>8/11/2016</a:t>
             </a:fld>
             <a:endParaRPr lang="en-US" dirty="0"/>
           </a:p>
@@ -990,7 +990,7 @@
             <a:fld id="{9B3A1323-8D79-1946-B0D7-40001CF92E9D}" type="datetimeFigureOut">
               <a:rPr lang="en-US" smtClean="0"/>
               <a:pPr/>
-              <a:t>8/8/2016</a:t>
+              <a:t>8/11/2016</a:t>
             </a:fld>
             <a:endParaRPr lang="en-US" dirty="0"/>
           </a:p>
@@ -1335,7 +1335,7 @@
             <a:fld id="{8DFA1846-DA80-1C48-A609-854EA85C59AD}" type="datetimeFigureOut">
               <a:rPr lang="en-US" smtClean="0"/>
               <a:pPr/>
-              <a:t>8/8/2016</a:t>
+              <a:t>8/11/2016</a:t>
             </a:fld>
             <a:endParaRPr lang="en-US" dirty="0"/>
           </a:p>
@@ -1612,7 +1612,7 @@
             <a:fld id="{57302355-E14B-8545-A8F8-0FE83CC9D524}" type="datetimeFigureOut">
               <a:rPr lang="en-US" smtClean="0"/>
               <a:pPr/>
-              <a:t>8/8/2016</a:t>
+              <a:t>8/11/2016</a:t>
             </a:fld>
             <a:endParaRPr lang="en-US" dirty="0"/>
           </a:p>
@@ -1993,7 +1993,7 @@
             <a:fld id="{02640F58-564D-2B4F-AE67-E407BA4FCF45}" type="datetimeFigureOut">
               <a:rPr lang="en-US" smtClean="0"/>
               <a:pPr/>
-              <a:t>8/8/2016</a:t>
+              <a:t>8/11/2016</a:t>
             </a:fld>
             <a:endParaRPr lang="en-US" dirty="0"/>
           </a:p>
@@ -2113,7 +2113,7 @@
             <a:fld id="{F13A34C8-038E-2045-AF43-DF7DBB8E0E9E}" type="datetimeFigureOut">
               <a:rPr lang="en-US" smtClean="0"/>
               <a:pPr/>
-              <a:t>8/8/2016</a:t>
+              <a:t>8/11/2016</a:t>
             </a:fld>
             <a:endParaRPr lang="en-US" dirty="0"/>
           </a:p>
@@ -2286,7 +2286,7 @@
             <a:fld id="{8818C68F-D26B-8F47-958C-23B49CF8A634}" type="datetimeFigureOut">
               <a:rPr lang="en-US" smtClean="0"/>
               <a:pPr/>
-              <a:t>8/8/2016</a:t>
+              <a:t>8/11/2016</a:t>
             </a:fld>
             <a:endParaRPr lang="en-US" dirty="0"/>
           </a:p>
@@ -2642,7 +2642,7 @@
             <a:fld id="{D0DF5E60-9974-AC48-9591-99C2BB44B7CF}" type="datetimeFigureOut">
               <a:rPr lang="en-US" smtClean="0"/>
               <a:pPr/>
-              <a:t>8/8/2016</a:t>
+              <a:t>8/11/2016</a:t>
             </a:fld>
             <a:endParaRPr lang="en-US" dirty="0"/>
           </a:p>
@@ -3021,7 +3021,7 @@
             <a:fld id="{18C79C5D-2A6F-F04D-97DA-BEF2467B64E4}" type="datetimeFigureOut">
               <a:rPr lang="en-US" smtClean="0"/>
               <a:pPr/>
-              <a:t>8/8/2016</a:t>
+              <a:t>8/11/2016</a:t>
             </a:fld>
             <a:endParaRPr lang="en-US" dirty="0"/>
           </a:p>
@@ -3310,7 +3310,7 @@
             <a:fld id="{09B482E8-6E0E-1B4F-B1FD-C69DB9E858D9}" type="datetimeFigureOut">
               <a:rPr lang="en-US" smtClean="0"/>
               <a:pPr/>
-              <a:t>8/8/2016</a:t>
+              <a:t>8/11/2016</a:t>
             </a:fld>
             <a:endParaRPr lang="en-US" dirty="0"/>
           </a:p>
@@ -4144,7 +4144,7 @@
           </a:bodyPr>
           <a:lstStyle/>
           <a:p>
-            <a:pPr marL="514350" indent="-514350">
+            <a:pPr marL="514350" indent="-514350" algn="just">
               <a:buFont typeface="+mj-lt"/>
               <a:buAutoNum type="arabicPeriod"/>
             </a:pPr>
@@ -4259,7 +4259,7 @@
           </a:bodyPr>
           <a:lstStyle/>
           <a:p>
-            <a:pPr marL="514350" indent="-514350">
+            <a:pPr marL="514350" indent="-514350" algn="just">
               <a:buFont typeface="+mj-lt"/>
               <a:buAutoNum type="arabicPeriod" startAt="2"/>
             </a:pPr>
@@ -4458,34 +4458,427 @@
           </a:bodyPr>
           <a:lstStyle/>
           <a:p>
-            <a:pPr marL="457200" indent="-457200">
-              <a:buFont typeface="+mj-lt"/>
+            <a:pPr marL="457200" indent="-457200" algn="just">
               <a:buAutoNum type="arabicPeriod"/>
             </a:pPr>
             <a:r>
-              <a:rPr lang="id-ID" sz="2800" dirty="0" smtClean="0"/>
-              <a:t>Penerimaan siswa baru terdiri dari beberapa tahapan penerimaan</a:t>
-            </a:r>
-          </a:p>
-          <a:p>
-            <a:pPr marL="457200" indent="-457200">
-              <a:buFont typeface="+mj-lt"/>
+              <a:rPr lang="en-US" sz="2400" dirty="0" err="1" smtClean="0"/>
+              <a:t>Penerimaan</a:t>
+            </a:r>
+            <a:r>
+              <a:rPr lang="en-US" sz="2400" dirty="0" smtClean="0"/>
+              <a:t> </a:t>
+            </a:r>
+            <a:r>
+              <a:rPr lang="en-US" sz="2400" dirty="0" err="1"/>
+              <a:t>siswa</a:t>
+            </a:r>
+            <a:r>
+              <a:rPr lang="en-US" sz="2400" dirty="0"/>
+              <a:t> </a:t>
+            </a:r>
+            <a:r>
+              <a:rPr lang="en-US" sz="2400" dirty="0" err="1"/>
+              <a:t>baru</a:t>
+            </a:r>
+            <a:r>
+              <a:rPr lang="en-US" sz="2400" dirty="0"/>
+              <a:t> </a:t>
+            </a:r>
+            <a:r>
+              <a:rPr lang="en-US" sz="2400" dirty="0" err="1" smtClean="0"/>
+              <a:t>merupakan</a:t>
+            </a:r>
+            <a:r>
+              <a:rPr lang="en-US" sz="2400" dirty="0" smtClean="0"/>
+              <a:t> </a:t>
+            </a:r>
+            <a:r>
+              <a:rPr lang="en-US" sz="2400" dirty="0"/>
+              <a:t>proses yang </a:t>
+            </a:r>
+            <a:r>
+              <a:rPr lang="en-US" sz="2400" dirty="0" err="1"/>
+              <a:t>dilakukan</a:t>
+            </a:r>
+            <a:r>
+              <a:rPr lang="en-US" sz="2400" dirty="0"/>
+              <a:t> </a:t>
+            </a:r>
+            <a:r>
+              <a:rPr lang="en-US" sz="2400" dirty="0" err="1"/>
+              <a:t>sekolah</a:t>
+            </a:r>
+            <a:r>
+              <a:rPr lang="en-US" sz="2400" dirty="0"/>
+              <a:t> </a:t>
+            </a:r>
+            <a:r>
+              <a:rPr lang="en-US" sz="2400" dirty="0" err="1"/>
+              <a:t>untuk</a:t>
+            </a:r>
+            <a:r>
+              <a:rPr lang="en-US" sz="2400" dirty="0"/>
+              <a:t> </a:t>
+            </a:r>
+            <a:r>
+              <a:rPr lang="en-US" sz="2400" dirty="0" err="1"/>
+              <a:t>menyaring</a:t>
+            </a:r>
+            <a:r>
+              <a:rPr lang="en-US" sz="2400" dirty="0"/>
+              <a:t> </a:t>
+            </a:r>
+            <a:r>
+              <a:rPr lang="en-US" sz="2400" dirty="0" err="1"/>
+              <a:t>calon</a:t>
+            </a:r>
+            <a:r>
+              <a:rPr lang="en-US" sz="2400" dirty="0"/>
+              <a:t> </a:t>
+            </a:r>
+            <a:r>
+              <a:rPr lang="en-US" sz="2400" dirty="0" err="1" smtClean="0"/>
+              <a:t>siswa</a:t>
+            </a:r>
+            <a:r>
+              <a:rPr lang="en-US" sz="2400" dirty="0" smtClean="0"/>
+              <a:t> </a:t>
+            </a:r>
+            <a:r>
+              <a:rPr lang="en-US" sz="2400" dirty="0" err="1" smtClean="0"/>
+              <a:t>sesuai</a:t>
+            </a:r>
+            <a:r>
+              <a:rPr lang="en-US" sz="2400" dirty="0" smtClean="0"/>
+              <a:t> </a:t>
+            </a:r>
+            <a:r>
+              <a:rPr lang="en-US" sz="2400" dirty="0" err="1" smtClean="0"/>
+              <a:t>dengan</a:t>
+            </a:r>
+            <a:r>
+              <a:rPr lang="en-US" sz="2400" dirty="0" smtClean="0"/>
+              <a:t> </a:t>
+            </a:r>
+            <a:r>
+              <a:rPr lang="en-US" sz="2400" dirty="0" err="1" smtClean="0"/>
+              <a:t>kriteria</a:t>
+            </a:r>
+            <a:r>
+              <a:rPr lang="en-US" sz="2400" dirty="0" smtClean="0"/>
+              <a:t>. </a:t>
+            </a:r>
+            <a:r>
+              <a:rPr lang="en-US" sz="2400" dirty="0" err="1" smtClean="0"/>
+              <a:t>Tahapan</a:t>
+            </a:r>
+            <a:r>
+              <a:rPr lang="en-US" sz="2400" dirty="0" smtClean="0"/>
+              <a:t> </a:t>
+            </a:r>
+            <a:r>
+              <a:rPr lang="en-US" sz="2400" dirty="0" err="1" smtClean="0"/>
+              <a:t>pendaftaran</a:t>
+            </a:r>
+            <a:r>
+              <a:rPr lang="en-US" sz="2400" dirty="0" smtClean="0"/>
+              <a:t> yang </a:t>
+            </a:r>
+            <a:r>
+              <a:rPr lang="en-US" sz="2400" dirty="0" err="1" smtClean="0"/>
+              <a:t>panjang</a:t>
+            </a:r>
+            <a:r>
+              <a:rPr lang="en-US" sz="2400" dirty="0" smtClean="0"/>
+              <a:t> </a:t>
+            </a:r>
+            <a:r>
+              <a:rPr lang="en-US" sz="2400" dirty="0" err="1" smtClean="0"/>
+              <a:t>menjadi</a:t>
+            </a:r>
+            <a:r>
+              <a:rPr lang="en-US" sz="2400" dirty="0" smtClean="0"/>
+              <a:t> </a:t>
+            </a:r>
+            <a:r>
+              <a:rPr lang="en-US" sz="2400" dirty="0" err="1"/>
+              <a:t>kendala</a:t>
+            </a:r>
+            <a:r>
+              <a:rPr lang="en-US" sz="2400" dirty="0"/>
+              <a:t> </a:t>
+            </a:r>
+            <a:r>
+              <a:rPr lang="en-US" sz="2400" dirty="0" err="1"/>
+              <a:t>bagi</a:t>
+            </a:r>
+            <a:r>
+              <a:rPr lang="en-US" sz="2400" dirty="0"/>
+              <a:t> </a:t>
+            </a:r>
+            <a:r>
+              <a:rPr lang="en-US" sz="2400" dirty="0" err="1"/>
+              <a:t>calon-calon</a:t>
+            </a:r>
+            <a:r>
+              <a:rPr lang="en-US" sz="2400" dirty="0"/>
+              <a:t> </a:t>
+            </a:r>
+            <a:r>
+              <a:rPr lang="en-US" sz="2400" dirty="0" err="1"/>
+              <a:t>siswa</a:t>
+            </a:r>
+            <a:r>
+              <a:rPr lang="en-US" sz="2400" dirty="0"/>
+              <a:t> yang </a:t>
+            </a:r>
+            <a:r>
+              <a:rPr lang="en-US" sz="2400" dirty="0" err="1"/>
+              <a:t>bertempat</a:t>
+            </a:r>
+            <a:r>
+              <a:rPr lang="en-US" sz="2400" dirty="0"/>
+              <a:t> </a:t>
+            </a:r>
+            <a:r>
+              <a:rPr lang="en-US" sz="2400" dirty="0" err="1"/>
+              <a:t>tinggal</a:t>
+            </a:r>
+            <a:r>
+              <a:rPr lang="en-US" sz="2400" dirty="0"/>
+              <a:t> </a:t>
+            </a:r>
+            <a:r>
+              <a:rPr lang="en-US" sz="2400" dirty="0" err="1"/>
+              <a:t>jauh</a:t>
+            </a:r>
+            <a:r>
+              <a:rPr lang="en-US" sz="2400" dirty="0"/>
+              <a:t> </a:t>
+            </a:r>
+            <a:r>
+              <a:rPr lang="en-US" sz="2400" dirty="0" err="1"/>
+              <a:t>dari</a:t>
+            </a:r>
+            <a:r>
+              <a:rPr lang="en-US" sz="2400" dirty="0"/>
+              <a:t> </a:t>
+            </a:r>
+            <a:r>
+              <a:rPr lang="en-US" sz="2400" dirty="0" err="1"/>
+              <a:t>sekolah</a:t>
+            </a:r>
+            <a:r>
+              <a:rPr lang="en-US" sz="2400" dirty="0"/>
+              <a:t> </a:t>
+            </a:r>
+            <a:r>
+              <a:rPr lang="en-US" sz="2400" dirty="0" err="1"/>
+              <a:t>bersangkutan</a:t>
+            </a:r>
+            <a:r>
+              <a:rPr lang="en-US" sz="2400" dirty="0"/>
+              <a:t> </a:t>
+            </a:r>
+            <a:r>
+              <a:rPr lang="en-US" sz="2400" dirty="0" err="1"/>
+              <a:t>ataupun</a:t>
+            </a:r>
+            <a:r>
+              <a:rPr lang="en-US" sz="2400" dirty="0"/>
+              <a:t> yang </a:t>
+            </a:r>
+            <a:r>
+              <a:rPr lang="en-US" sz="2400" dirty="0" err="1"/>
+              <a:t>tidak</a:t>
+            </a:r>
+            <a:r>
+              <a:rPr lang="en-US" sz="2400" dirty="0"/>
+              <a:t> </a:t>
+            </a:r>
+            <a:r>
+              <a:rPr lang="en-US" sz="2400" dirty="0" err="1"/>
+              <a:t>memiliki</a:t>
+            </a:r>
+            <a:r>
+              <a:rPr lang="en-US" sz="2400" dirty="0"/>
+              <a:t> </a:t>
+            </a:r>
+            <a:r>
+              <a:rPr lang="en-US" sz="2400" dirty="0" err="1"/>
+              <a:t>cukup</a:t>
+            </a:r>
+            <a:r>
+              <a:rPr lang="en-US" sz="2400" dirty="0"/>
+              <a:t> </a:t>
+            </a:r>
+            <a:r>
+              <a:rPr lang="en-US" sz="2400" dirty="0" err="1"/>
+              <a:t>waktu</a:t>
+            </a:r>
+            <a:r>
+              <a:rPr lang="en-US" sz="2400" dirty="0"/>
+              <a:t> </a:t>
+            </a:r>
+            <a:r>
+              <a:rPr lang="en-US" sz="2400" dirty="0" err="1"/>
+              <a:t>untuk</a:t>
+            </a:r>
+            <a:r>
+              <a:rPr lang="en-US" sz="2400" dirty="0"/>
+              <a:t> </a:t>
+            </a:r>
+            <a:r>
+              <a:rPr lang="en-US" sz="2400" dirty="0" err="1"/>
+              <a:t>mengunjungi</a:t>
+            </a:r>
+            <a:r>
+              <a:rPr lang="en-US" sz="2400" dirty="0"/>
+              <a:t> </a:t>
+            </a:r>
+            <a:r>
+              <a:rPr lang="en-US" sz="2400" dirty="0" err="1"/>
+              <a:t>sekolah</a:t>
+            </a:r>
+            <a:r>
+              <a:rPr lang="en-US" sz="2400" dirty="0"/>
+              <a:t> </a:t>
+            </a:r>
+            <a:r>
+              <a:rPr lang="en-US" sz="2400" dirty="0" err="1"/>
+              <a:t>secara</a:t>
+            </a:r>
+            <a:r>
+              <a:rPr lang="en-US" sz="2400" dirty="0"/>
+              <a:t> </a:t>
+            </a:r>
+            <a:r>
+              <a:rPr lang="en-US" sz="2400" dirty="0" err="1" smtClean="0"/>
+              <a:t>langsung</a:t>
+            </a:r>
+            <a:r>
+              <a:rPr lang="en-US" sz="2400" dirty="0" smtClean="0"/>
+              <a:t>.</a:t>
+            </a:r>
+          </a:p>
+          <a:p>
+            <a:pPr marL="457200" indent="-457200" algn="just">
               <a:buAutoNum type="arabicPeriod"/>
             </a:pPr>
             <a:r>
-              <a:rPr lang="id-ID" sz="2800" dirty="0" smtClean="0"/>
-              <a:t>Pencatatan pendaftar memerlukan waktu yang relatif lama</a:t>
-            </a:r>
-          </a:p>
-          <a:p>
-            <a:pPr marL="457200" indent="-457200">
-              <a:buFont typeface="+mj-lt"/>
-              <a:buAutoNum type="arabicPeriod"/>
-            </a:pPr>
-            <a:r>
-              <a:rPr lang="id-ID" sz="2800" dirty="0" smtClean="0"/>
-              <a:t>Sistem online memudahkan calon siswa dalam proses pendaftaran</a:t>
-            </a:r>
+              <a:rPr lang="en-US" sz="2400" dirty="0" err="1" smtClean="0"/>
+              <a:t>Pencatatan</a:t>
+            </a:r>
+            <a:r>
+              <a:rPr lang="en-US" sz="2400" dirty="0" smtClean="0"/>
+              <a:t> </a:t>
+            </a:r>
+            <a:r>
+              <a:rPr lang="en-US" sz="2400" dirty="0" err="1" smtClean="0"/>
+              <a:t>pendaftar</a:t>
+            </a:r>
+            <a:r>
+              <a:rPr lang="en-US" sz="2400" dirty="0" smtClean="0"/>
+              <a:t> </a:t>
+            </a:r>
+            <a:r>
+              <a:rPr lang="en-US" sz="2400" dirty="0" err="1" smtClean="0"/>
+              <a:t>memerlukan</a:t>
+            </a:r>
+            <a:r>
+              <a:rPr lang="en-US" sz="2400" dirty="0" smtClean="0"/>
+              <a:t> </a:t>
+            </a:r>
+            <a:r>
+              <a:rPr lang="en-US" sz="2400" dirty="0" err="1"/>
+              <a:t>waktu</a:t>
+            </a:r>
+            <a:r>
+              <a:rPr lang="en-US" sz="2400" dirty="0"/>
+              <a:t> yang </a:t>
+            </a:r>
+            <a:r>
+              <a:rPr lang="en-US" sz="2400" dirty="0" err="1"/>
+              <a:t>relatif</a:t>
+            </a:r>
+            <a:r>
+              <a:rPr lang="en-US" sz="2400" dirty="0"/>
+              <a:t> lama </a:t>
+            </a:r>
+            <a:r>
+              <a:rPr lang="en-US" sz="2400" dirty="0" err="1"/>
+              <a:t>sehingga</a:t>
+            </a:r>
+            <a:r>
+              <a:rPr lang="en-US" sz="2400" dirty="0"/>
+              <a:t> </a:t>
+            </a:r>
+            <a:r>
+              <a:rPr lang="en-US" sz="2400" dirty="0" err="1"/>
+              <a:t>menyebabkan</a:t>
+            </a:r>
+            <a:r>
+              <a:rPr lang="en-US" sz="2400" dirty="0"/>
+              <a:t> </a:t>
+            </a:r>
+            <a:r>
+              <a:rPr lang="en-US" sz="2400" dirty="0" err="1"/>
+              <a:t>ketidaknyamanan</a:t>
+            </a:r>
+            <a:r>
+              <a:rPr lang="en-US" sz="2400" dirty="0"/>
+              <a:t> </a:t>
+            </a:r>
+            <a:r>
+              <a:rPr lang="en-US" sz="2400" dirty="0" err="1"/>
+              <a:t>bagi</a:t>
+            </a:r>
+            <a:r>
+              <a:rPr lang="en-US" sz="2400" dirty="0"/>
+              <a:t> </a:t>
+            </a:r>
+            <a:r>
+              <a:rPr lang="en-US" sz="2400" dirty="0" err="1"/>
+              <a:t>pendaftar</a:t>
+            </a:r>
+            <a:r>
+              <a:rPr lang="en-US" sz="2400" dirty="0"/>
+              <a:t> </a:t>
+            </a:r>
+            <a:r>
+              <a:rPr lang="en-US" sz="2400" dirty="0" err="1"/>
+              <a:t>karena</a:t>
+            </a:r>
+            <a:r>
+              <a:rPr lang="en-US" sz="2400" dirty="0"/>
+              <a:t> </a:t>
+            </a:r>
+            <a:r>
+              <a:rPr lang="en-US" sz="2400" dirty="0" err="1"/>
+              <a:t>harus</a:t>
+            </a:r>
+            <a:r>
+              <a:rPr lang="en-US" sz="2400" dirty="0"/>
+              <a:t> </a:t>
+            </a:r>
+            <a:r>
+              <a:rPr lang="en-US" sz="2400" dirty="0" err="1"/>
+              <a:t>menunggu</a:t>
+            </a:r>
+            <a:r>
+              <a:rPr lang="en-US" sz="2400" dirty="0"/>
+              <a:t> lama (</a:t>
+            </a:r>
+            <a:r>
+              <a:rPr lang="en-US" sz="2400" dirty="0" err="1"/>
+              <a:t>antri</a:t>
+            </a:r>
+            <a:r>
+              <a:rPr lang="en-US" sz="2400" dirty="0"/>
+              <a:t>). </a:t>
+            </a:r>
+            <a:endParaRPr lang="id-ID" sz="2400" dirty="0" smtClean="0"/>
           </a:p>
         </p:txBody>
       </p:sp>
@@ -4566,7 +4959,7 @@
           </a:bodyPr>
           <a:lstStyle/>
           <a:p>
-            <a:pPr marL="457200" indent="-457200">
+            <a:pPr marL="457200" indent="-457200" algn="just">
               <a:buFont typeface="+mj-lt"/>
               <a:buAutoNum type="arabicPeriod"/>
             </a:pPr>
@@ -4576,7 +4969,7 @@
             </a:r>
           </a:p>
           <a:p>
-            <a:pPr marL="457200" indent="-457200">
+            <a:pPr marL="457200" indent="-457200" algn="just">
               <a:buFont typeface="+mj-lt"/>
               <a:buAutoNum type="arabicPeriod"/>
             </a:pPr>
@@ -4681,7 +5074,7 @@
             </a:r>
           </a:p>
           <a:p>
-            <a:pPr marL="0" indent="0">
+            <a:pPr marL="0" indent="0" algn="just">
               <a:buNone/>
             </a:pPr>
             <a:r>
@@ -4769,7 +5162,7 @@
           </a:bodyPr>
           <a:lstStyle/>
           <a:p>
-            <a:pPr marL="0" indent="0">
+            <a:pPr marL="0" indent="0" algn="just">
               <a:buNone/>
             </a:pPr>
             <a:r>
@@ -4783,7 +5176,7 @@
             <a:endParaRPr lang="id-ID" sz="2800" b="1" u="sng" dirty="0"/>
           </a:p>
           <a:p>
-            <a:pPr marL="514350" indent="-514350">
+            <a:pPr marL="514350" indent="-514350" algn="just">
               <a:buFont typeface="+mj-lt"/>
               <a:buAutoNum type="arabicPeriod"/>
             </a:pPr>
@@ -4793,7 +5186,7 @@
             </a:r>
           </a:p>
           <a:p>
-            <a:pPr marL="514350" indent="-514350">
+            <a:pPr marL="514350" indent="-514350" algn="just">
               <a:buFont typeface="+mj-lt"/>
               <a:buAutoNum type="arabicPeriod"/>
             </a:pPr>
@@ -4886,7 +5279,7 @@
           </a:bodyPr>
           <a:lstStyle/>
           <a:p>
-            <a:pPr marL="514350" indent="-514350">
+            <a:pPr marL="514350" indent="-514350" algn="just">
               <a:buFont typeface="+mj-lt"/>
               <a:buAutoNum type="arabicPeriod"/>
             </a:pPr>
@@ -4905,27 +5298,264 @@
             <a:endParaRPr lang="id-ID" sz="2800" dirty="0" smtClean="0"/>
           </a:p>
           <a:p>
-            <a:pPr marL="514350" indent="-514350">
+            <a:pPr marL="514350" indent="-514350" algn="just">
               <a:buFont typeface="+mj-lt"/>
               <a:buAutoNum type="arabicPeriod"/>
             </a:pPr>
             <a:r>
-              <a:rPr lang="id-ID" sz="2800" dirty="0" smtClean="0"/>
-              <a:t>Calon Siswa</a:t>
-            </a:r>
-          </a:p>
-          <a:p>
-            <a:pPr marL="514350" indent="-514350">
+              <a:rPr lang="en-US" sz="2800" dirty="0" smtClean="0"/>
+              <a:t>Dari </a:t>
+            </a:r>
+            <a:r>
+              <a:rPr lang="en-US" sz="2800" dirty="0" err="1" smtClean="0"/>
+              <a:t>sisi</a:t>
+            </a:r>
+            <a:r>
+              <a:rPr lang="en-US" sz="2800" dirty="0" smtClean="0"/>
+              <a:t> </a:t>
+            </a:r>
+            <a:r>
+              <a:rPr lang="en-US" sz="2800" dirty="0" err="1" smtClean="0"/>
+              <a:t>calon</a:t>
+            </a:r>
+            <a:r>
+              <a:rPr lang="en-US" sz="2800" dirty="0" smtClean="0"/>
+              <a:t> </a:t>
+            </a:r>
+            <a:r>
+              <a:rPr lang="en-US" sz="2800" dirty="0" err="1" smtClean="0"/>
+              <a:t>siswa</a:t>
+            </a:r>
+            <a:r>
+              <a:rPr lang="en-US" sz="2800" dirty="0" smtClean="0"/>
+              <a:t> </a:t>
+            </a:r>
+            <a:r>
+              <a:rPr lang="en-US" sz="2800" dirty="0" err="1" smtClean="0"/>
+              <a:t>sistem</a:t>
+            </a:r>
+            <a:r>
+              <a:rPr lang="en-US" sz="2800" dirty="0"/>
+              <a:t> </a:t>
+            </a:r>
+            <a:r>
+              <a:rPr lang="en-US" sz="2800" dirty="0" err="1" smtClean="0"/>
+              <a:t>dibatasi</a:t>
+            </a:r>
+            <a:r>
+              <a:rPr lang="en-US" sz="2800" dirty="0" smtClean="0"/>
+              <a:t> </a:t>
+            </a:r>
+            <a:r>
+              <a:rPr lang="en-US" sz="2800" dirty="0" err="1" smtClean="0"/>
+              <a:t>sampai</a:t>
+            </a:r>
+            <a:r>
+              <a:rPr lang="en-US" sz="2800" dirty="0" smtClean="0"/>
+              <a:t> </a:t>
+            </a:r>
+            <a:r>
+              <a:rPr lang="en-US" sz="2800" dirty="0" err="1" smtClean="0"/>
+              <a:t>memilih</a:t>
+            </a:r>
+            <a:r>
+              <a:rPr lang="en-US" sz="2800" dirty="0" smtClean="0"/>
+              <a:t> </a:t>
+            </a:r>
+            <a:r>
+              <a:rPr lang="en-US" sz="2800" dirty="0" err="1" smtClean="0"/>
+              <a:t>tingkatan</a:t>
+            </a:r>
+            <a:r>
+              <a:rPr lang="en-US" sz="2800" dirty="0" smtClean="0"/>
+              <a:t>, </a:t>
+            </a:r>
+            <a:r>
+              <a:rPr lang="en-US" sz="2800" dirty="0" err="1" smtClean="0"/>
+              <a:t>mengisi</a:t>
+            </a:r>
+            <a:r>
+              <a:rPr lang="en-US" sz="2800" dirty="0" smtClean="0"/>
+              <a:t> </a:t>
+            </a:r>
+            <a:r>
+              <a:rPr lang="en-US" sz="2800" dirty="0" err="1" smtClean="0"/>
+              <a:t>profil</a:t>
+            </a:r>
+            <a:r>
+              <a:rPr lang="en-US" sz="2800" dirty="0" smtClean="0"/>
+              <a:t>, </a:t>
+            </a:r>
+            <a:r>
+              <a:rPr lang="en-US" sz="2800" dirty="0" err="1" smtClean="0"/>
+              <a:t>mengupload</a:t>
+            </a:r>
+            <a:r>
+              <a:rPr lang="en-US" sz="2800" dirty="0" smtClean="0"/>
+              <a:t> </a:t>
+            </a:r>
+            <a:r>
+              <a:rPr lang="en-US" sz="2800" dirty="0" err="1" smtClean="0"/>
+              <a:t>dokumen</a:t>
+            </a:r>
+            <a:r>
+              <a:rPr lang="en-US" sz="2800" dirty="0" smtClean="0"/>
+              <a:t> </a:t>
+            </a:r>
+            <a:r>
+              <a:rPr lang="en-US" sz="2800" dirty="0" err="1" smtClean="0"/>
+              <a:t>dan</a:t>
+            </a:r>
+            <a:r>
+              <a:rPr lang="en-US" sz="2800" dirty="0" smtClean="0"/>
+              <a:t> </a:t>
+            </a:r>
+            <a:r>
+              <a:rPr lang="en-US" sz="2800" dirty="0" err="1" smtClean="0"/>
+              <a:t>mencetak</a:t>
+            </a:r>
+            <a:r>
+              <a:rPr lang="en-US" sz="2800" dirty="0" smtClean="0"/>
+              <a:t> </a:t>
+            </a:r>
+            <a:r>
+              <a:rPr lang="en-US" sz="2800" dirty="0" err="1" smtClean="0"/>
+              <a:t>kartu</a:t>
+            </a:r>
+            <a:r>
+              <a:rPr lang="en-US" sz="2800" dirty="0" smtClean="0"/>
+              <a:t> </a:t>
+            </a:r>
+            <a:r>
+              <a:rPr lang="en-US" sz="2800" dirty="0" err="1" smtClean="0"/>
+              <a:t>ujian</a:t>
+            </a:r>
+            <a:r>
+              <a:rPr lang="en-US" sz="2800" dirty="0" smtClean="0"/>
+              <a:t>.</a:t>
+            </a:r>
+            <a:endParaRPr lang="id-ID" sz="2800" dirty="0" smtClean="0"/>
+          </a:p>
+          <a:p>
+            <a:pPr marL="514350" indent="-514350" algn="just">
               <a:buFont typeface="+mj-lt"/>
               <a:buAutoNum type="arabicPeriod"/>
             </a:pPr>
             <a:r>
-              <a:rPr lang="id-ID" sz="2800" dirty="0" smtClean="0"/>
-              <a:t>Admin Sekolah</a:t>
-            </a:r>
-            <a:r>
-              <a:rPr lang="sv-SE" sz="2800" dirty="0" smtClean="0"/>
-              <a:t> </a:t>
+              <a:rPr lang="en-US" sz="2800" dirty="0" smtClean="0"/>
+              <a:t>Dari </a:t>
+            </a:r>
+            <a:r>
+              <a:rPr lang="en-US" sz="2800" dirty="0" err="1" smtClean="0"/>
+              <a:t>sisi</a:t>
+            </a:r>
+            <a:r>
+              <a:rPr lang="en-US" sz="2800" dirty="0" smtClean="0"/>
+              <a:t> admin </a:t>
+            </a:r>
+            <a:r>
+              <a:rPr lang="en-US" sz="2800" dirty="0" err="1" smtClean="0"/>
+              <a:t>sekolah</a:t>
+            </a:r>
+            <a:r>
+              <a:rPr lang="en-US" sz="2800" dirty="0" smtClean="0"/>
+              <a:t>, </a:t>
+            </a:r>
+            <a:r>
+              <a:rPr lang="en-US" sz="2800" dirty="0" err="1" smtClean="0"/>
+              <a:t>sistem</a:t>
+            </a:r>
+            <a:r>
+              <a:rPr lang="en-US" sz="2800" dirty="0" smtClean="0"/>
+              <a:t> </a:t>
+            </a:r>
+            <a:r>
+              <a:rPr lang="en-US" sz="2800" dirty="0" err="1" smtClean="0"/>
+              <a:t>dibatasi</a:t>
+            </a:r>
+            <a:r>
+              <a:rPr lang="en-US" sz="2800" dirty="0" smtClean="0"/>
+              <a:t> </a:t>
+            </a:r>
+            <a:r>
+              <a:rPr lang="en-US" sz="2800" dirty="0" err="1" smtClean="0"/>
+              <a:t>sampai</a:t>
+            </a:r>
+            <a:r>
+              <a:rPr lang="en-US" sz="2800" dirty="0" smtClean="0"/>
+              <a:t> </a:t>
+            </a:r>
+            <a:r>
+              <a:rPr lang="en-US" sz="2800" dirty="0" err="1" smtClean="0"/>
+              <a:t>menentukan</a:t>
+            </a:r>
+            <a:r>
+              <a:rPr lang="en-US" sz="2800" dirty="0" smtClean="0"/>
+              <a:t> </a:t>
+            </a:r>
+            <a:r>
+              <a:rPr lang="en-US" sz="2800" dirty="0" err="1" smtClean="0"/>
+              <a:t>batas</a:t>
+            </a:r>
+            <a:r>
+              <a:rPr lang="en-US" sz="2800" dirty="0" smtClean="0"/>
+              <a:t> </a:t>
+            </a:r>
+            <a:r>
+              <a:rPr lang="en-US" sz="2800" dirty="0" err="1" smtClean="0"/>
+              <a:t>tanggal</a:t>
+            </a:r>
+            <a:r>
+              <a:rPr lang="en-US" sz="2800" dirty="0" smtClean="0"/>
+              <a:t> </a:t>
+            </a:r>
+            <a:r>
+              <a:rPr lang="en-US" sz="2800" dirty="0" err="1" smtClean="0"/>
+              <a:t>pendaftaran</a:t>
+            </a:r>
+            <a:r>
+              <a:rPr lang="en-US" sz="2800" dirty="0" smtClean="0"/>
+              <a:t>, </a:t>
+            </a:r>
+            <a:r>
+              <a:rPr lang="en-US" sz="2800" dirty="0" err="1" smtClean="0"/>
+              <a:t>memvalidasi</a:t>
+            </a:r>
+            <a:r>
+              <a:rPr lang="en-US" sz="2800" dirty="0" smtClean="0"/>
+              <a:t> data </a:t>
+            </a:r>
+            <a:r>
+              <a:rPr lang="en-US" sz="2800" dirty="0" err="1" smtClean="0"/>
+              <a:t>dan</a:t>
+            </a:r>
+            <a:r>
+              <a:rPr lang="en-US" sz="2800" dirty="0" smtClean="0"/>
+              <a:t> </a:t>
+            </a:r>
+            <a:r>
+              <a:rPr lang="en-US" sz="2800" dirty="0" err="1" smtClean="0"/>
+              <a:t>menentukan</a:t>
+            </a:r>
+            <a:r>
+              <a:rPr lang="en-US" sz="2800" dirty="0" smtClean="0"/>
+              <a:t> </a:t>
+            </a:r>
+            <a:r>
+              <a:rPr lang="en-US" sz="2800" dirty="0" err="1" smtClean="0"/>
+              <a:t>tanggal</a:t>
+            </a:r>
+            <a:r>
+              <a:rPr lang="en-US" sz="2800" dirty="0" smtClean="0"/>
+              <a:t> </a:t>
+            </a:r>
+            <a:r>
+              <a:rPr lang="en-US" sz="2800" dirty="0" err="1" smtClean="0"/>
+              <a:t>ujian</a:t>
+            </a:r>
+            <a:r>
+              <a:rPr lang="en-US" sz="2800" dirty="0" smtClean="0"/>
+              <a:t>.</a:t>
             </a:r>
             <a:endParaRPr lang="sv-SE" sz="2800" dirty="0"/>
           </a:p>
@@ -5090,7 +5720,7 @@
           </a:bodyPr>
           <a:lstStyle/>
           <a:p>
-            <a:pPr marL="514350" indent="-514350">
+            <a:pPr marL="514350" indent="-514350" algn="just">
               <a:buFont typeface="+mj-lt"/>
               <a:buAutoNum type="arabicPeriod"/>
             </a:pPr>
@@ -5207,7 +5837,7 @@
           </a:bodyPr>
           <a:lstStyle/>
           <a:p>
-            <a:pPr marL="514350" indent="-514350">
+            <a:pPr marL="514350" indent="-514350" algn="just">
               <a:buFont typeface="+mj-lt"/>
               <a:buAutoNum type="arabicPeriod" startAt="2"/>
             </a:pPr>

--- a/TA final/TA PRESENTASI.pptx
+++ b/TA final/TA PRESENTASI.pptx
@@ -350,7 +350,7 @@
             <a:fld id="{08B9EBBA-996F-894A-B54A-D6246ED52CEA}" type="datetimeFigureOut">
               <a:rPr lang="en-US" smtClean="0"/>
               <a:pPr/>
-              <a:t>8/11/2016</a:t>
+              <a:t>8/19/2016</a:t>
             </a:fld>
             <a:endParaRPr lang="en-US" dirty="0"/>
           </a:p>
@@ -560,7 +560,7 @@
             <a:fld id="{C6C52C72-DE31-F449-A4ED-4C594FD91407}" type="datetimeFigureOut">
               <a:rPr lang="en-US" smtClean="0"/>
               <a:pPr/>
-              <a:t>8/11/2016</a:t>
+              <a:t>8/19/2016</a:t>
             </a:fld>
             <a:endParaRPr lang="en-US" dirty="0"/>
           </a:p>
@@ -818,7 +818,7 @@
             <a:fld id="{ED62726E-379B-B349-9EED-81ED093FA806}" type="datetimeFigureOut">
               <a:rPr lang="en-US" smtClean="0"/>
               <a:pPr/>
-              <a:t>8/11/2016</a:t>
+              <a:t>8/19/2016</a:t>
             </a:fld>
             <a:endParaRPr lang="en-US" dirty="0"/>
           </a:p>
@@ -990,7 +990,7 @@
             <a:fld id="{9B3A1323-8D79-1946-B0D7-40001CF92E9D}" type="datetimeFigureOut">
               <a:rPr lang="en-US" smtClean="0"/>
               <a:pPr/>
-              <a:t>8/11/2016</a:t>
+              <a:t>8/19/2016</a:t>
             </a:fld>
             <a:endParaRPr lang="en-US" dirty="0"/>
           </a:p>
@@ -1335,7 +1335,7 @@
             <a:fld id="{8DFA1846-DA80-1C48-A609-854EA85C59AD}" type="datetimeFigureOut">
               <a:rPr lang="en-US" smtClean="0"/>
               <a:pPr/>
-              <a:t>8/11/2016</a:t>
+              <a:t>8/19/2016</a:t>
             </a:fld>
             <a:endParaRPr lang="en-US" dirty="0"/>
           </a:p>
@@ -1612,7 +1612,7 @@
             <a:fld id="{57302355-E14B-8545-A8F8-0FE83CC9D524}" type="datetimeFigureOut">
               <a:rPr lang="en-US" smtClean="0"/>
               <a:pPr/>
-              <a:t>8/11/2016</a:t>
+              <a:t>8/19/2016</a:t>
             </a:fld>
             <a:endParaRPr lang="en-US" dirty="0"/>
           </a:p>
@@ -1993,7 +1993,7 @@
             <a:fld id="{02640F58-564D-2B4F-AE67-E407BA4FCF45}" type="datetimeFigureOut">
               <a:rPr lang="en-US" smtClean="0"/>
               <a:pPr/>
-              <a:t>8/11/2016</a:t>
+              <a:t>8/19/2016</a:t>
             </a:fld>
             <a:endParaRPr lang="en-US" dirty="0"/>
           </a:p>
@@ -2113,7 +2113,7 @@
             <a:fld id="{F13A34C8-038E-2045-AF43-DF7DBB8E0E9E}" type="datetimeFigureOut">
               <a:rPr lang="en-US" smtClean="0"/>
               <a:pPr/>
-              <a:t>8/11/2016</a:t>
+              <a:t>8/19/2016</a:t>
             </a:fld>
             <a:endParaRPr lang="en-US" dirty="0"/>
           </a:p>
@@ -2286,7 +2286,7 @@
             <a:fld id="{8818C68F-D26B-8F47-958C-23B49CF8A634}" type="datetimeFigureOut">
               <a:rPr lang="en-US" smtClean="0"/>
               <a:pPr/>
-              <a:t>8/11/2016</a:t>
+              <a:t>8/19/2016</a:t>
             </a:fld>
             <a:endParaRPr lang="en-US" dirty="0"/>
           </a:p>
@@ -2642,7 +2642,7 @@
             <a:fld id="{D0DF5E60-9974-AC48-9591-99C2BB44B7CF}" type="datetimeFigureOut">
               <a:rPr lang="en-US" smtClean="0"/>
               <a:pPr/>
-              <a:t>8/11/2016</a:t>
+              <a:t>8/19/2016</a:t>
             </a:fld>
             <a:endParaRPr lang="en-US" dirty="0"/>
           </a:p>
@@ -3021,7 +3021,7 @@
             <a:fld id="{18C79C5D-2A6F-F04D-97DA-BEF2467B64E4}" type="datetimeFigureOut">
               <a:rPr lang="en-US" smtClean="0"/>
               <a:pPr/>
-              <a:t>8/11/2016</a:t>
+              <a:t>8/19/2016</a:t>
             </a:fld>
             <a:endParaRPr lang="en-US" dirty="0"/>
           </a:p>
@@ -3310,7 +3310,7 @@
             <a:fld id="{09B482E8-6E0E-1B4F-B1FD-C69DB9E858D9}" type="datetimeFigureOut">
               <a:rPr lang="en-US" smtClean="0"/>
               <a:pPr/>
-              <a:t>8/11/2016</a:t>
+              <a:t>8/19/2016</a:t>
             </a:fld>
             <a:endParaRPr lang="en-US" dirty="0"/>
           </a:p>
@@ -5431,19 +5431,28 @@
               <a:t>ujian</a:t>
             </a:r>
             <a:r>
+              <a:rPr lang="en-US" sz="2800" dirty="0"/>
+              <a:t> </a:t>
+            </a:r>
+            <a:r>
+              <a:rPr lang="en-US" sz="2800" dirty="0" err="1" smtClean="0"/>
+              <a:t>sedangkan</a:t>
+            </a:r>
+            <a:r>
               <a:rPr lang="en-US" sz="2800" dirty="0" smtClean="0"/>
-              <a:t>.</a:t>
-            </a:r>
-            <a:endParaRPr lang="id-ID" sz="2800" dirty="0" smtClean="0"/>
-          </a:p>
-          <a:p>
-            <a:pPr marL="514350" indent="-514350" algn="just">
-              <a:buFont typeface="+mj-lt"/>
-              <a:buAutoNum type="arabicPeriod"/>
-            </a:pPr>
+              <a:t> </a:t>
+            </a:r>
+            <a:r>
+              <a:rPr lang="en-US" sz="2800" dirty="0" err="1"/>
+              <a:t>d</a:t>
+            </a:r>
+            <a:r>
+              <a:rPr lang="en-US" sz="2800" dirty="0" err="1" smtClean="0"/>
+              <a:t>ari</a:t>
+            </a:r>
             <a:r>
               <a:rPr lang="en-US" sz="2800" dirty="0" smtClean="0"/>
-              <a:t>Dari </a:t>
+              <a:t> </a:t>
             </a:r>
             <a:r>
               <a:rPr lang="en-US" sz="2800" dirty="0" err="1" smtClean="0"/>
